--- a/dataVisualization/Example Auto PPT.pptx
+++ b/dataVisualization/Example Auto PPT.pptx
@@ -10,6 +10,7 @@
     <p:sldId id="258" r:id="rId9"/>
     <p:sldId id="259" r:id="rId10"/>
     <p:sldId id="260" r:id="rId11"/>
+    <p:sldId id="261" r:id="rId12"/>
   </p:sldIdLst>
   <p:sldSz cx="9144000" cy="6858000" type="screen4x3"/>
   <p:notesSz cx="6858000" cy="9144000"/>
@@ -3168,7 +3169,7 @@
           <a:lstStyle/>
           <a:p>
             <a:r>
-              <a:t>Measurement Conditions</a:t>
+              <a:t>PnO     Measurement Conditions</a:t>
             </a:r>
           </a:p>
         </p:txBody>
@@ -3248,14 +3249,14 @@
           <a:lstStyle/>
           <a:p>
             <a:r>
-              <a:t>Averaged PNO Traces (ALL)</a:t>
+              <a:t>Averaged PNO Traces (no dead cells)</a:t>
             </a:r>
           </a:p>
         </p:txBody>
       </p:sp>
       <p:pic>
         <p:nvPicPr>
-          <p:cNvPr id="3" name="Picture 2" descr="PnOMar-15-2023 13_29_55.png"/>
+          <p:cNvPr id="3" name="Picture 2" descr="PnOMar-15-2023 13_29_55 DEVICE_0.png"/>
           <p:cNvPicPr>
             <a:picLocks noChangeAspect="1"/>
           </p:cNvPicPr>
@@ -3269,8 +3270,8 @@
         </p:blipFill>
         <p:spPr>
           <a:xfrm>
-            <a:off x="1289304" y="1280160"/>
-            <a:ext cx="3291840" cy="2746537"/>
+            <a:off x="630936" y="1261872"/>
+            <a:ext cx="3941063" cy="2769909"/>
           </a:xfrm>
           <a:prstGeom prst="rect">
             <a:avLst/>
@@ -3279,22 +3280,22 @@
       </p:pic>
       <p:pic>
         <p:nvPicPr>
-          <p:cNvPr id="4" name="Picture 3" descr="PnOMar-15-2023 13_29_55.png"/>
+          <p:cNvPr id="4" name="Picture 3" descr="PnOMar-15-2023 13_29_55 DEVICE_1.png"/>
           <p:cNvPicPr>
             <a:picLocks noChangeAspect="1"/>
           </p:cNvPicPr>
           <p:nvPr/>
         </p:nvPicPr>
         <p:blipFill>
-          <a:blip r:embed="rId2"/>
+          <a:blip r:embed="rId3"/>
           <a:stretch>
             <a:fillRect/>
           </a:stretch>
         </p:blipFill>
         <p:spPr>
           <a:xfrm>
-            <a:off x="4928616" y="1280160"/>
-            <a:ext cx="3291840" cy="2746537"/>
+            <a:off x="4572000" y="1261872"/>
+            <a:ext cx="3941063" cy="2769909"/>
           </a:xfrm>
           <a:prstGeom prst="rect">
             <a:avLst/>
@@ -3303,22 +3304,22 @@
       </p:pic>
       <p:pic>
         <p:nvPicPr>
-          <p:cNvPr id="5" name="Picture 4" descr="PnOMar-15-2023 13_29_55.png"/>
+          <p:cNvPr id="5" name="Picture 4" descr="PnOMar-15-2023 13_29_55 DEVICE_2.png"/>
           <p:cNvPicPr>
             <a:picLocks noChangeAspect="1"/>
           </p:cNvPicPr>
           <p:nvPr/>
         </p:nvPicPr>
         <p:blipFill>
-          <a:blip r:embed="rId2"/>
+          <a:blip r:embed="rId4"/>
           <a:stretch>
             <a:fillRect/>
           </a:stretch>
         </p:blipFill>
         <p:spPr>
           <a:xfrm>
-            <a:off x="1289304" y="4032504"/>
-            <a:ext cx="3291840" cy="2746537"/>
+            <a:off x="630936" y="4032504"/>
+            <a:ext cx="3941063" cy="2769909"/>
           </a:xfrm>
           <a:prstGeom prst="rect">
             <a:avLst/>
@@ -3327,22 +3328,22 @@
       </p:pic>
       <p:pic>
         <p:nvPicPr>
-          <p:cNvPr id="6" name="Picture 5" descr="PnOMar-15-2023 13_29_55.png"/>
+          <p:cNvPr id="6" name="Picture 5" descr="PnOMar-15-2023 13_29_55 DEVICE_3.png"/>
           <p:cNvPicPr>
             <a:picLocks noChangeAspect="1"/>
           </p:cNvPicPr>
           <p:nvPr/>
         </p:nvPicPr>
         <p:blipFill>
-          <a:blip r:embed="rId2"/>
+          <a:blip r:embed="rId5"/>
           <a:stretch>
             <a:fillRect/>
           </a:stretch>
         </p:blipFill>
         <p:spPr>
           <a:xfrm>
-            <a:off x="4928616" y="4032504"/>
-            <a:ext cx="3291840" cy="2746537"/>
+            <a:off x="4572000" y="4032504"/>
+            <a:ext cx="3941063" cy="2769909"/>
           </a:xfrm>
           <a:prstGeom prst="rect">
             <a:avLst/>
@@ -3383,14 +3384,14 @@
           <a:lstStyle/>
           <a:p>
             <a:r>
-              <a:t>Dark JV Before |  Dark JV After</a:t>
+              <a:t>Scan  params</a:t>
             </a:r>
           </a:p>
         </p:txBody>
       </p:sp>
       <p:pic>
         <p:nvPicPr>
-          <p:cNvPr id="3" name="Picture 2" descr="scanlightMar-15-2023 13_28_50.png"/>
+          <p:cNvPr id="3" name="Picture 2" descr="Γ_VOC_BoxPlot.png"/>
           <p:cNvPicPr>
             <a:picLocks noChangeAspect="1"/>
           </p:cNvPicPr>
@@ -3404,8 +3405,8 @@
         </p:blipFill>
         <p:spPr>
           <a:xfrm>
-            <a:off x="0" y="1755648"/>
-            <a:ext cx="2286000" cy="1737770"/>
+            <a:off x="3163824" y="2414016"/>
+            <a:ext cx="2816352" cy="2329397"/>
           </a:xfrm>
           <a:prstGeom prst="rect">
             <a:avLst/>
@@ -3414,22 +3415,22 @@
       </p:pic>
       <p:pic>
         <p:nvPicPr>
-          <p:cNvPr id="4" name="Picture 3" descr="scanlightMar-15-2023 13_28_50.png"/>
+          <p:cNvPr id="4" name="Picture 3" descr="Γ_JSC_BoxPlot.png"/>
           <p:cNvPicPr>
             <a:picLocks noChangeAspect="1"/>
           </p:cNvPicPr>
           <p:nvPr/>
         </p:nvPicPr>
         <p:blipFill>
-          <a:blip r:embed="rId2"/>
+          <a:blip r:embed="rId3"/>
           <a:stretch>
             <a:fillRect/>
           </a:stretch>
         </p:blipFill>
         <p:spPr>
           <a:xfrm>
-            <a:off x="2286000" y="1755648"/>
-            <a:ext cx="2286000" cy="1737770"/>
+            <a:off x="219456" y="2414016"/>
+            <a:ext cx="2816352" cy="2366682"/>
           </a:xfrm>
           <a:prstGeom prst="rect">
             <a:avLst/>
@@ -3438,142 +3439,22 @@
       </p:pic>
       <p:pic>
         <p:nvPicPr>
-          <p:cNvPr id="5" name="Picture 4" descr="scanlightMar-15-2023 13_28_50.png"/>
+          <p:cNvPr id="5" name="Picture 4" descr="Γ_FF_BoxPlot.png"/>
           <p:cNvPicPr>
             <a:picLocks noChangeAspect="1"/>
           </p:cNvPicPr>
           <p:nvPr/>
         </p:nvPicPr>
         <p:blipFill>
-          <a:blip r:embed="rId2"/>
+          <a:blip r:embed="rId4"/>
           <a:stretch>
             <a:fillRect/>
           </a:stretch>
         </p:blipFill>
         <p:spPr>
           <a:xfrm>
-            <a:off x="0" y="3493008"/>
-            <a:ext cx="2286000" cy="1737770"/>
-          </a:xfrm>
-          <a:prstGeom prst="rect">
-            <a:avLst/>
-          </a:prstGeom>
-        </p:spPr>
-      </p:pic>
-      <p:pic>
-        <p:nvPicPr>
-          <p:cNvPr id="6" name="Picture 5" descr="scanlightMar-15-2023 13_28_50.png"/>
-          <p:cNvPicPr>
-            <a:picLocks noChangeAspect="1"/>
-          </p:cNvPicPr>
-          <p:nvPr/>
-        </p:nvPicPr>
-        <p:blipFill>
-          <a:blip r:embed="rId2"/>
-          <a:stretch>
-            <a:fillRect/>
-          </a:stretch>
-        </p:blipFill>
-        <p:spPr>
-          <a:xfrm>
-            <a:off x="2286000" y="3493008"/>
-            <a:ext cx="2286000" cy="1737770"/>
-          </a:xfrm>
-          <a:prstGeom prst="rect">
-            <a:avLst/>
-          </a:prstGeom>
-        </p:spPr>
-      </p:pic>
-      <p:pic>
-        <p:nvPicPr>
-          <p:cNvPr id="7" name="Picture 6" descr="scanlightMar-15-2023 13_28_50.png"/>
-          <p:cNvPicPr>
-            <a:picLocks noChangeAspect="1"/>
-          </p:cNvPicPr>
-          <p:nvPr/>
-        </p:nvPicPr>
-        <p:blipFill>
-          <a:blip r:embed="rId2"/>
-          <a:stretch>
-            <a:fillRect/>
-          </a:stretch>
-        </p:blipFill>
-        <p:spPr>
-          <a:xfrm>
-            <a:off x="4572000" y="1755648"/>
-            <a:ext cx="2286000" cy="1737770"/>
-          </a:xfrm>
-          <a:prstGeom prst="rect">
-            <a:avLst/>
-          </a:prstGeom>
-        </p:spPr>
-      </p:pic>
-      <p:pic>
-        <p:nvPicPr>
-          <p:cNvPr id="8" name="Picture 7" descr="scanlightMar-15-2023 13_28_50.png"/>
-          <p:cNvPicPr>
-            <a:picLocks noChangeAspect="1"/>
-          </p:cNvPicPr>
-          <p:nvPr/>
-        </p:nvPicPr>
-        <p:blipFill>
-          <a:blip r:embed="rId2"/>
-          <a:stretch>
-            <a:fillRect/>
-          </a:stretch>
-        </p:blipFill>
-        <p:spPr>
-          <a:xfrm>
-            <a:off x="6858000" y="1755648"/>
-            <a:ext cx="2286000" cy="1737770"/>
-          </a:xfrm>
-          <a:prstGeom prst="rect">
-            <a:avLst/>
-          </a:prstGeom>
-        </p:spPr>
-      </p:pic>
-      <p:pic>
-        <p:nvPicPr>
-          <p:cNvPr id="9" name="Picture 8" descr="scanlightMar-15-2023 13_28_50.png"/>
-          <p:cNvPicPr>
-            <a:picLocks noChangeAspect="1"/>
-          </p:cNvPicPr>
-          <p:nvPr/>
-        </p:nvPicPr>
-        <p:blipFill>
-          <a:blip r:embed="rId2"/>
-          <a:stretch>
-            <a:fillRect/>
-          </a:stretch>
-        </p:blipFill>
-        <p:spPr>
-          <a:xfrm>
-            <a:off x="4572000" y="3493008"/>
-            <a:ext cx="2286000" cy="1737770"/>
-          </a:xfrm>
-          <a:prstGeom prst="rect">
-            <a:avLst/>
-          </a:prstGeom>
-        </p:spPr>
-      </p:pic>
-      <p:pic>
-        <p:nvPicPr>
-          <p:cNvPr id="10" name="Picture 9" descr="scanlightMar-15-2023 13_28_50.png"/>
-          <p:cNvPicPr>
-            <a:picLocks noChangeAspect="1"/>
-          </p:cNvPicPr>
-          <p:nvPr/>
-        </p:nvPicPr>
-        <p:blipFill>
-          <a:blip r:embed="rId2"/>
-          <a:stretch>
-            <a:fillRect/>
-          </a:stretch>
-        </p:blipFill>
-        <p:spPr>
-          <a:xfrm>
-            <a:off x="6858000" y="3493008"/>
-            <a:ext cx="2286000" cy="1737770"/>
+            <a:off x="6108192" y="2414016"/>
+            <a:ext cx="2816352" cy="2305785"/>
           </a:xfrm>
           <a:prstGeom prst="rect">
             <a:avLst/>
@@ -3614,14 +3495,14 @@
           <a:lstStyle/>
           <a:p>
             <a:r>
-              <a:t>Light JV Before |   Light JV After</a:t>
+              <a:t>Dark JV Before |  Dark JV After</a:t>
             </a:r>
           </a:p>
         </p:txBody>
       </p:sp>
       <p:pic>
         <p:nvPicPr>
-          <p:cNvPr id="3" name="Picture 2" descr="scanlightMar-15-2023 13_28_50.png"/>
+          <p:cNvPr id="3" name="Picture 2" descr="scandarkMar-15-2023 13_34_51 DEVICE_0.png"/>
           <p:cNvPicPr>
             <a:picLocks noChangeAspect="1"/>
           </p:cNvPicPr>
@@ -3645,7 +3526,79 @@
       </p:pic>
       <p:pic>
         <p:nvPicPr>
-          <p:cNvPr id="4" name="Picture 3" descr="scanlightMar-15-2023 13_28_50.png"/>
+          <p:cNvPr id="4" name="Picture 3" descr="scandarkMar-15-2023 13_34_51 DEVICE_1.png"/>
+          <p:cNvPicPr>
+            <a:picLocks noChangeAspect="1"/>
+          </p:cNvPicPr>
+          <p:nvPr/>
+        </p:nvPicPr>
+        <p:blipFill>
+          <a:blip r:embed="rId3"/>
+          <a:stretch>
+            <a:fillRect/>
+          </a:stretch>
+        </p:blipFill>
+        <p:spPr>
+          <a:xfrm>
+            <a:off x="2286000" y="1755648"/>
+            <a:ext cx="2286000" cy="1737770"/>
+          </a:xfrm>
+          <a:prstGeom prst="rect">
+            <a:avLst/>
+          </a:prstGeom>
+        </p:spPr>
+      </p:pic>
+      <p:pic>
+        <p:nvPicPr>
+          <p:cNvPr id="5" name="Picture 4" descr="scandarkMar-15-2023 13_34_51 DEVICE_2.png"/>
+          <p:cNvPicPr>
+            <a:picLocks noChangeAspect="1"/>
+          </p:cNvPicPr>
+          <p:nvPr/>
+        </p:nvPicPr>
+        <p:blipFill>
+          <a:blip r:embed="rId4"/>
+          <a:stretch>
+            <a:fillRect/>
+          </a:stretch>
+        </p:blipFill>
+        <p:spPr>
+          <a:xfrm>
+            <a:off x="0" y="3493008"/>
+            <a:ext cx="2286000" cy="1737770"/>
+          </a:xfrm>
+          <a:prstGeom prst="rect">
+            <a:avLst/>
+          </a:prstGeom>
+        </p:spPr>
+      </p:pic>
+      <p:pic>
+        <p:nvPicPr>
+          <p:cNvPr id="6" name="Picture 5" descr="scandarkMar-15-2023 13_34_51 DEVICE_3.png"/>
+          <p:cNvPicPr>
+            <a:picLocks noChangeAspect="1"/>
+          </p:cNvPicPr>
+          <p:nvPr/>
+        </p:nvPicPr>
+        <p:blipFill>
+          <a:blip r:embed="rId5"/>
+          <a:stretch>
+            <a:fillRect/>
+          </a:stretch>
+        </p:blipFill>
+        <p:spPr>
+          <a:xfrm>
+            <a:off x="2286000" y="3493008"/>
+            <a:ext cx="2286000" cy="1737770"/>
+          </a:xfrm>
+          <a:prstGeom prst="rect">
+            <a:avLst/>
+          </a:prstGeom>
+        </p:spPr>
+      </p:pic>
+      <p:pic>
+        <p:nvPicPr>
+          <p:cNvPr id="7" name="Picture 6" descr="scandarkMar-15-2023 13_34_51 DEVICE_0.png"/>
           <p:cNvPicPr>
             <a:picLocks noChangeAspect="1"/>
           </p:cNvPicPr>
@@ -3659,7 +3612,7 @@
         </p:blipFill>
         <p:spPr>
           <a:xfrm>
-            <a:off x="2286000" y="1755648"/>
+            <a:off x="4572000" y="1755648"/>
             <a:ext cx="2286000" cy="1737770"/>
           </a:xfrm>
           <a:prstGeom prst="rect">
@@ -3669,7 +3622,118 @@
       </p:pic>
       <p:pic>
         <p:nvPicPr>
-          <p:cNvPr id="5" name="Picture 4" descr="scanlightMar-15-2023 13_28_50.png"/>
+          <p:cNvPr id="8" name="Picture 7" descr="scandarkMar-15-2023 13_34_51 DEVICE_1.png"/>
+          <p:cNvPicPr>
+            <a:picLocks noChangeAspect="1"/>
+          </p:cNvPicPr>
+          <p:nvPr/>
+        </p:nvPicPr>
+        <p:blipFill>
+          <a:blip r:embed="rId3"/>
+          <a:stretch>
+            <a:fillRect/>
+          </a:stretch>
+        </p:blipFill>
+        <p:spPr>
+          <a:xfrm>
+            <a:off x="6858000" y="1755648"/>
+            <a:ext cx="2286000" cy="1737770"/>
+          </a:xfrm>
+          <a:prstGeom prst="rect">
+            <a:avLst/>
+          </a:prstGeom>
+        </p:spPr>
+      </p:pic>
+      <p:pic>
+        <p:nvPicPr>
+          <p:cNvPr id="9" name="Picture 8" descr="scandarkMar-15-2023 13_34_51 DEVICE_2.png"/>
+          <p:cNvPicPr>
+            <a:picLocks noChangeAspect="1"/>
+          </p:cNvPicPr>
+          <p:nvPr/>
+        </p:nvPicPr>
+        <p:blipFill>
+          <a:blip r:embed="rId4"/>
+          <a:stretch>
+            <a:fillRect/>
+          </a:stretch>
+        </p:blipFill>
+        <p:spPr>
+          <a:xfrm>
+            <a:off x="4572000" y="3493008"/>
+            <a:ext cx="2286000" cy="1737770"/>
+          </a:xfrm>
+          <a:prstGeom prst="rect">
+            <a:avLst/>
+          </a:prstGeom>
+        </p:spPr>
+      </p:pic>
+      <p:pic>
+        <p:nvPicPr>
+          <p:cNvPr id="10" name="Picture 9" descr="scandarkMar-15-2023 13_34_51 DEVICE_3.png"/>
+          <p:cNvPicPr>
+            <a:picLocks noChangeAspect="1"/>
+          </p:cNvPicPr>
+          <p:nvPr/>
+        </p:nvPicPr>
+        <p:blipFill>
+          <a:blip r:embed="rId5"/>
+          <a:stretch>
+            <a:fillRect/>
+          </a:stretch>
+        </p:blipFill>
+        <p:spPr>
+          <a:xfrm>
+            <a:off x="6858000" y="3493008"/>
+            <a:ext cx="2286000" cy="1737770"/>
+          </a:xfrm>
+          <a:prstGeom prst="rect">
+            <a:avLst/>
+          </a:prstGeom>
+        </p:spPr>
+      </p:pic>
+    </p:spTree>
+  </p:cSld>
+  <p:clrMapOvr>
+    <a:masterClrMapping/>
+  </p:clrMapOvr>
+</p:sld>
+</file>
+
+<file path=ppt/slides/slide6.xml><?xml version="1.0" encoding="utf-8"?>
+<p:sld xmlns:a="http://schemas.openxmlformats.org/drawingml/2006/main" xmlns:p="http://schemas.openxmlformats.org/presentationml/2006/main" xmlns:r="http://schemas.openxmlformats.org/officeDocument/2006/relationships">
+  <p:cSld>
+    <p:spTree>
+      <p:nvGrpSpPr>
+        <p:cNvPr id="1" name=""/>
+        <p:cNvGrpSpPr/>
+        <p:nvPr/>
+      </p:nvGrpSpPr>
+      <p:grpSpPr/>
+      <p:sp>
+        <p:nvSpPr>
+          <p:cNvPr id="2" name="Title 1"/>
+          <p:cNvSpPr>
+            <a:spLocks noGrp="1"/>
+          </p:cNvSpPr>
+          <p:nvPr>
+            <p:ph type="title"/>
+          </p:nvPr>
+        </p:nvSpPr>
+        <p:spPr/>
+        <p:txBody>
+          <a:bodyPr/>
+          <a:lstStyle/>
+          <a:p>
+            <a:r>
+              <a:t>Light JV Before |   Light JV After</a:t>
+            </a:r>
+          </a:p>
+        </p:txBody>
+      </p:sp>
+      <p:pic>
+        <p:nvPicPr>
+          <p:cNvPr id="3" name="Picture 2" descr="scanlightMar-15-2023 13_28_50 DEVICE_0.png"/>
           <p:cNvPicPr>
             <a:picLocks noChangeAspect="1"/>
           </p:cNvPicPr>
@@ -3683,7 +3747,7 @@
         </p:blipFill>
         <p:spPr>
           <a:xfrm>
-            <a:off x="0" y="3493008"/>
+            <a:off x="0" y="1755648"/>
             <a:ext cx="2286000" cy="1737770"/>
           </a:xfrm>
           <a:prstGeom prst="rect">
@@ -3693,7 +3757,79 @@
       </p:pic>
       <p:pic>
         <p:nvPicPr>
-          <p:cNvPr id="6" name="Picture 5" descr="scanlightMar-15-2023 13_28_50.png"/>
+          <p:cNvPr id="4" name="Picture 3" descr="scanlightMar-15-2023 13_28_50 DEVICE_1.png"/>
+          <p:cNvPicPr>
+            <a:picLocks noChangeAspect="1"/>
+          </p:cNvPicPr>
+          <p:nvPr/>
+        </p:nvPicPr>
+        <p:blipFill>
+          <a:blip r:embed="rId3"/>
+          <a:stretch>
+            <a:fillRect/>
+          </a:stretch>
+        </p:blipFill>
+        <p:spPr>
+          <a:xfrm>
+            <a:off x="2286000" y="1755648"/>
+            <a:ext cx="2286000" cy="1737770"/>
+          </a:xfrm>
+          <a:prstGeom prst="rect">
+            <a:avLst/>
+          </a:prstGeom>
+        </p:spPr>
+      </p:pic>
+      <p:pic>
+        <p:nvPicPr>
+          <p:cNvPr id="5" name="Picture 4" descr="scanlightMar-15-2023 13_28_50 DEVICE_2.png"/>
+          <p:cNvPicPr>
+            <a:picLocks noChangeAspect="1"/>
+          </p:cNvPicPr>
+          <p:nvPr/>
+        </p:nvPicPr>
+        <p:blipFill>
+          <a:blip r:embed="rId4"/>
+          <a:stretch>
+            <a:fillRect/>
+          </a:stretch>
+        </p:blipFill>
+        <p:spPr>
+          <a:xfrm>
+            <a:off x="0" y="3493008"/>
+            <a:ext cx="2286000" cy="1737770"/>
+          </a:xfrm>
+          <a:prstGeom prst="rect">
+            <a:avLst/>
+          </a:prstGeom>
+        </p:spPr>
+      </p:pic>
+      <p:pic>
+        <p:nvPicPr>
+          <p:cNvPr id="6" name="Picture 5" descr="scanlightMar-15-2023 13_28_50 DEVICE_3.png"/>
+          <p:cNvPicPr>
+            <a:picLocks noChangeAspect="1"/>
+          </p:cNvPicPr>
+          <p:nvPr/>
+        </p:nvPicPr>
+        <p:blipFill>
+          <a:blip r:embed="rId5"/>
+          <a:stretch>
+            <a:fillRect/>
+          </a:stretch>
+        </p:blipFill>
+        <p:spPr>
+          <a:xfrm>
+            <a:off x="2286000" y="3493008"/>
+            <a:ext cx="2286000" cy="1737770"/>
+          </a:xfrm>
+          <a:prstGeom prst="rect">
+            <a:avLst/>
+          </a:prstGeom>
+        </p:spPr>
+      </p:pic>
+      <p:pic>
+        <p:nvPicPr>
+          <p:cNvPr id="7" name="Picture 6" descr="scanlightMar-15-2023 13_28_50 DEVICE_0.png"/>
           <p:cNvPicPr>
             <a:picLocks noChangeAspect="1"/>
           </p:cNvPicPr>
@@ -3707,7 +3843,7 @@
         </p:blipFill>
         <p:spPr>
           <a:xfrm>
-            <a:off x="2286000" y="3493008"/>
+            <a:off x="4572000" y="1755648"/>
             <a:ext cx="2286000" cy="1737770"/>
           </a:xfrm>
           <a:prstGeom prst="rect">
@@ -3717,21 +3853,21 @@
       </p:pic>
       <p:pic>
         <p:nvPicPr>
-          <p:cNvPr id="7" name="Picture 6" descr="scanlightMar-15-2023 13_28_50.png"/>
+          <p:cNvPr id="8" name="Picture 7" descr="scanlightMar-15-2023 13_28_50 DEVICE_1.png"/>
           <p:cNvPicPr>
             <a:picLocks noChangeAspect="1"/>
           </p:cNvPicPr>
           <p:nvPr/>
         </p:nvPicPr>
         <p:blipFill>
-          <a:blip r:embed="rId2"/>
+          <a:blip r:embed="rId3"/>
           <a:stretch>
             <a:fillRect/>
           </a:stretch>
         </p:blipFill>
         <p:spPr>
           <a:xfrm>
-            <a:off x="4572000" y="1755648"/>
+            <a:off x="6858000" y="1755648"/>
             <a:ext cx="2286000" cy="1737770"/>
           </a:xfrm>
           <a:prstGeom prst="rect">
@@ -3741,21 +3877,21 @@
       </p:pic>
       <p:pic>
         <p:nvPicPr>
-          <p:cNvPr id="8" name="Picture 7" descr="scanlightMar-15-2023 13_28_50.png"/>
+          <p:cNvPr id="9" name="Picture 8" descr="scanlightMar-15-2023 13_28_50 DEVICE_2.png"/>
           <p:cNvPicPr>
             <a:picLocks noChangeAspect="1"/>
           </p:cNvPicPr>
           <p:nvPr/>
         </p:nvPicPr>
         <p:blipFill>
-          <a:blip r:embed="rId2"/>
+          <a:blip r:embed="rId4"/>
           <a:stretch>
             <a:fillRect/>
           </a:stretch>
         </p:blipFill>
         <p:spPr>
           <a:xfrm>
-            <a:off x="6858000" y="1755648"/>
+            <a:off x="4572000" y="3493008"/>
             <a:ext cx="2286000" cy="1737770"/>
           </a:xfrm>
           <a:prstGeom prst="rect">
@@ -3765,38 +3901,14 @@
       </p:pic>
       <p:pic>
         <p:nvPicPr>
-          <p:cNvPr id="9" name="Picture 8" descr="scanlightMar-15-2023 13_28_50.png"/>
+          <p:cNvPr id="10" name="Picture 9" descr="scanlightMar-15-2023 13_28_50 DEVICE_3.png"/>
           <p:cNvPicPr>
             <a:picLocks noChangeAspect="1"/>
           </p:cNvPicPr>
           <p:nvPr/>
         </p:nvPicPr>
         <p:blipFill>
-          <a:blip r:embed="rId2"/>
-          <a:stretch>
-            <a:fillRect/>
-          </a:stretch>
-        </p:blipFill>
-        <p:spPr>
-          <a:xfrm>
-            <a:off x="4572000" y="3493008"/>
-            <a:ext cx="2286000" cy="1737770"/>
-          </a:xfrm>
-          <a:prstGeom prst="rect">
-            <a:avLst/>
-          </a:prstGeom>
-        </p:spPr>
-      </p:pic>
-      <p:pic>
-        <p:nvPicPr>
-          <p:cNvPr id="10" name="Picture 9" descr="scanlightMar-15-2023 13_28_50.png"/>
-          <p:cNvPicPr>
-            <a:picLocks noChangeAspect="1"/>
-          </p:cNvPicPr>
-          <p:nvPr/>
-        </p:nvPicPr>
-        <p:blipFill>
-          <a:blip r:embed="rId2"/>
+          <a:blip r:embed="rId5"/>
           <a:stretch>
             <a:fillRect/>
           </a:stretch>
